--- a/Resilience.pptx
+++ b/Resilience.pptx
@@ -270,7 +270,7 @@
           <a:p>
             <a:fld id="{FA9A9F3D-41DC-4588-B2EE-B29F10B55A83}" type="datetimeFigureOut">
               <a:rPr lang="en-AI" smtClean="0"/>
-              <a:t>27/03/2024</a:t>
+              <a:t>28/03/2024</a:t>
             </a:fld>
             <a:endParaRPr lang="en-AI"/>
           </a:p>
@@ -470,7 +470,7 @@
           <a:p>
             <a:fld id="{FA9A9F3D-41DC-4588-B2EE-B29F10B55A83}" type="datetimeFigureOut">
               <a:rPr lang="en-AI" smtClean="0"/>
-              <a:t>27/03/2024</a:t>
+              <a:t>28/03/2024</a:t>
             </a:fld>
             <a:endParaRPr lang="en-AI"/>
           </a:p>
@@ -680,7 +680,7 @@
           <a:p>
             <a:fld id="{FA9A9F3D-41DC-4588-B2EE-B29F10B55A83}" type="datetimeFigureOut">
               <a:rPr lang="en-AI" smtClean="0"/>
-              <a:t>27/03/2024</a:t>
+              <a:t>28/03/2024</a:t>
             </a:fld>
             <a:endParaRPr lang="en-AI"/>
           </a:p>
@@ -880,7 +880,7 @@
           <a:p>
             <a:fld id="{FA9A9F3D-41DC-4588-B2EE-B29F10B55A83}" type="datetimeFigureOut">
               <a:rPr lang="en-AI" smtClean="0"/>
-              <a:t>27/03/2024</a:t>
+              <a:t>28/03/2024</a:t>
             </a:fld>
             <a:endParaRPr lang="en-AI"/>
           </a:p>
@@ -1156,7 +1156,7 @@
           <a:p>
             <a:fld id="{FA9A9F3D-41DC-4588-B2EE-B29F10B55A83}" type="datetimeFigureOut">
               <a:rPr lang="en-AI" smtClean="0"/>
-              <a:t>27/03/2024</a:t>
+              <a:t>28/03/2024</a:t>
             </a:fld>
             <a:endParaRPr lang="en-AI"/>
           </a:p>
@@ -1424,7 +1424,7 @@
           <a:p>
             <a:fld id="{FA9A9F3D-41DC-4588-B2EE-B29F10B55A83}" type="datetimeFigureOut">
               <a:rPr lang="en-AI" smtClean="0"/>
-              <a:t>27/03/2024</a:t>
+              <a:t>28/03/2024</a:t>
             </a:fld>
             <a:endParaRPr lang="en-AI"/>
           </a:p>
@@ -1839,7 +1839,7 @@
           <a:p>
             <a:fld id="{FA9A9F3D-41DC-4588-B2EE-B29F10B55A83}" type="datetimeFigureOut">
               <a:rPr lang="en-AI" smtClean="0"/>
-              <a:t>27/03/2024</a:t>
+              <a:t>28/03/2024</a:t>
             </a:fld>
             <a:endParaRPr lang="en-AI"/>
           </a:p>
@@ -1981,7 +1981,7 @@
           <a:p>
             <a:fld id="{FA9A9F3D-41DC-4588-B2EE-B29F10B55A83}" type="datetimeFigureOut">
               <a:rPr lang="en-AI" smtClean="0"/>
-              <a:t>27/03/2024</a:t>
+              <a:t>28/03/2024</a:t>
             </a:fld>
             <a:endParaRPr lang="en-AI"/>
           </a:p>
@@ -2094,7 +2094,7 @@
           <a:p>
             <a:fld id="{FA9A9F3D-41DC-4588-B2EE-B29F10B55A83}" type="datetimeFigureOut">
               <a:rPr lang="en-AI" smtClean="0"/>
-              <a:t>27/03/2024</a:t>
+              <a:t>28/03/2024</a:t>
             </a:fld>
             <a:endParaRPr lang="en-AI"/>
           </a:p>
@@ -2407,7 +2407,7 @@
           <a:p>
             <a:fld id="{FA9A9F3D-41DC-4588-B2EE-B29F10B55A83}" type="datetimeFigureOut">
               <a:rPr lang="en-AI" smtClean="0"/>
-              <a:t>27/03/2024</a:t>
+              <a:t>28/03/2024</a:t>
             </a:fld>
             <a:endParaRPr lang="en-AI"/>
           </a:p>
@@ -2696,7 +2696,7 @@
           <a:p>
             <a:fld id="{FA9A9F3D-41DC-4588-B2EE-B29F10B55A83}" type="datetimeFigureOut">
               <a:rPr lang="en-AI" smtClean="0"/>
-              <a:t>27/03/2024</a:t>
+              <a:t>28/03/2024</a:t>
             </a:fld>
             <a:endParaRPr lang="en-AI"/>
           </a:p>
@@ -2939,7 +2939,7 @@
           <a:p>
             <a:fld id="{FA9A9F3D-41DC-4588-B2EE-B29F10B55A83}" type="datetimeFigureOut">
               <a:rPr lang="en-AI" smtClean="0"/>
-              <a:t>27/03/2024</a:t>
+              <a:t>28/03/2024</a:t>
             </a:fld>
             <a:endParaRPr lang="en-AI"/>
           </a:p>
@@ -3627,7 +3627,7 @@
                 <a:ea typeface="Calibri Light" panose="020F0302020204030204" pitchFamily="34" charset="0"/>
                 <a:cs typeface="Calibri Light" panose="020F0302020204030204" pitchFamily="34" charset="0"/>
               </a:rPr>
-              <a:t>Currently, I have a State Machine that reads records from a file and then sends them as messages to a queue. These messages are consumed by microservice A, which communicates with another microservice B through a Rest API. The problem arises when microservice B is overwhelmed by the number of requests and does not have enough resources to respond to all of them. Although service B attempts to scale to meet the demand, this process takes approximately 1 minute, during which some of the records that were intended to be processed are lost.</a:t>
+              <a:t>I have a State Machine that reads records from a file and then sends them as messages to a queue. These messages are consumed by microservice A, which communicates with another microservice B through a Rest API. The problem occurs when microservice B is overwhelmed by the number of requests and does not have enough resources to respond to all of them. Although service B attempts to scale to meet the demand, this process takes approximately 1 minute, during which some of the records that were intended to be processed are lost.</a:t>
             </a:r>
             <a:endParaRPr lang="en-AI" dirty="0">
               <a:latin typeface="Calibri Light" panose="020F0302020204030204" pitchFamily="34" charset="0"/>
